--- a/powerpoints/Amstelhaege PP 3.pptx
+++ b/powerpoints/Amstelhaege PP 3.pptx
@@ -5,7 +5,7 @@
     <p:sldMasterId id="2147483686" r:id="rId1"/>
   </p:sldMasterIdLst>
   <p:notesMasterIdLst>
-    <p:notesMasterId r:id="rId13"/>
+    <p:notesMasterId r:id="rId14"/>
   </p:notesMasterIdLst>
   <p:sldIdLst>
     <p:sldId id="256" r:id="rId2"/>
@@ -14,11 +14,12 @@
     <p:sldId id="270" r:id="rId5"/>
     <p:sldId id="271" r:id="rId6"/>
     <p:sldId id="272" r:id="rId7"/>
-    <p:sldId id="275" r:id="rId8"/>
-    <p:sldId id="273" r:id="rId9"/>
-    <p:sldId id="274" r:id="rId10"/>
-    <p:sldId id="266" r:id="rId11"/>
-    <p:sldId id="267" r:id="rId12"/>
+    <p:sldId id="276" r:id="rId8"/>
+    <p:sldId id="275" r:id="rId9"/>
+    <p:sldId id="273" r:id="rId10"/>
+    <p:sldId id="274" r:id="rId11"/>
+    <p:sldId id="266" r:id="rId12"/>
+    <p:sldId id="267" r:id="rId13"/>
   </p:sldIdLst>
   <p:sldSz cx="12192000" cy="6858000"/>
   <p:notesSz cx="6858000" cy="9144000"/>
@@ -128,9 +129,114 @@
 <file path=ppt/revisionInfo.xml><?xml version="1.0" encoding="utf-8"?>
 <p1510:revInfo xmlns:a="http://schemas.openxmlformats.org/drawingml/2006/main" xmlns:r="http://schemas.openxmlformats.org/officeDocument/2006/relationships" xmlns:p1510="http://schemas.microsoft.com/office/powerpoint/2015/10/main">
   <p1510:revLst>
-    <p1510:client id="{37C6B3A9-C949-4AED-BED5-BBA274FEFC81}" v="4" dt="2018-11-17T17:32:38.661"/>
+    <p1510:client id="{F6960E88-17D2-4084-B06B-7811CAB8636B}" v="6" dt="2018-12-07T12:05:13.100"/>
   </p1510:revLst>
 </p1510:revInfo>
+</file>
+
+<file path=ppt/changesInfos/changesInfo1.xml><?xml version="1.0" encoding="utf-8"?>
+<pc:chgInfo xmlns:a="http://schemas.openxmlformats.org/drawingml/2006/main" xmlns:r="http://schemas.openxmlformats.org/officeDocument/2006/relationships" xmlns:ac="http://schemas.microsoft.com/office/drawing/2013/main/command" xmlns:pc="http://schemas.microsoft.com/office/powerpoint/2013/main/command">
+  <pc:docChgLst>
+    <pc:chgData name="Eveline Tiekink" userId="6058ae45eb5242b7" providerId="LiveId" clId="{F6960E88-17D2-4084-B06B-7811CAB8636B}"/>
+    <pc:docChg chg="custSel addSld modSld">
+      <pc:chgData name="Eveline Tiekink" userId="6058ae45eb5242b7" providerId="LiveId" clId="{F6960E88-17D2-4084-B06B-7811CAB8636B}" dt="2018-12-07T12:05:35.088" v="163" actId="20577"/>
+      <pc:docMkLst>
+        <pc:docMk/>
+      </pc:docMkLst>
+      <pc:sldChg chg="modSp">
+        <pc:chgData name="Eveline Tiekink" userId="6058ae45eb5242b7" providerId="LiveId" clId="{F6960E88-17D2-4084-B06B-7811CAB8636B}" dt="2018-12-07T12:02:26.638" v="5" actId="20577"/>
+        <pc:sldMkLst>
+          <pc:docMk/>
+          <pc:sldMk cId="2010605495" sldId="256"/>
+        </pc:sldMkLst>
+        <pc:spChg chg="mod">
+          <ac:chgData name="Eveline Tiekink" userId="6058ae45eb5242b7" providerId="LiveId" clId="{F6960E88-17D2-4084-B06B-7811CAB8636B}" dt="2018-12-07T12:02:26.638" v="5" actId="20577"/>
+          <ac:spMkLst>
+            <pc:docMk/>
+            <pc:sldMk cId="2010605495" sldId="256"/>
+            <ac:spMk id="3" creationId="{5CC4032A-E48A-464D-9FA6-FAF2E332B93F}"/>
+          </ac:spMkLst>
+        </pc:spChg>
+      </pc:sldChg>
+      <pc:sldChg chg="modSp">
+        <pc:chgData name="Eveline Tiekink" userId="6058ae45eb5242b7" providerId="LiveId" clId="{F6960E88-17D2-4084-B06B-7811CAB8636B}" dt="2018-12-07T12:03:25.810" v="98" actId="27636"/>
+        <pc:sldMkLst>
+          <pc:docMk/>
+          <pc:sldMk cId="3357264709" sldId="260"/>
+        </pc:sldMkLst>
+        <pc:spChg chg="mod">
+          <ac:chgData name="Eveline Tiekink" userId="6058ae45eb5242b7" providerId="LiveId" clId="{F6960E88-17D2-4084-B06B-7811CAB8636B}" dt="2018-12-07T12:03:25.810" v="98" actId="27636"/>
+          <ac:spMkLst>
+            <pc:docMk/>
+            <pc:sldMk cId="3357264709" sldId="260"/>
+            <ac:spMk id="3" creationId="{EFD33601-E7C0-4701-A19B-17BAB89029EF}"/>
+          </ac:spMkLst>
+        </pc:spChg>
+      </pc:sldChg>
+      <pc:sldChg chg="modSp">
+        <pc:chgData name="Eveline Tiekink" userId="6058ae45eb5242b7" providerId="LiveId" clId="{F6960E88-17D2-4084-B06B-7811CAB8636B}" dt="2018-12-07T12:04:37.346" v="108" actId="20577"/>
+        <pc:sldMkLst>
+          <pc:docMk/>
+          <pc:sldMk cId="2885689349" sldId="262"/>
+        </pc:sldMkLst>
+        <pc:spChg chg="mod">
+          <ac:chgData name="Eveline Tiekink" userId="6058ae45eb5242b7" providerId="LiveId" clId="{F6960E88-17D2-4084-B06B-7811CAB8636B}" dt="2018-12-07T12:04:37.346" v="108" actId="20577"/>
+          <ac:spMkLst>
+            <pc:docMk/>
+            <pc:sldMk cId="2885689349" sldId="262"/>
+            <ac:spMk id="3" creationId="{E6AA6751-1E7E-4FB0-945B-9AE4A1E98468}"/>
+          </ac:spMkLst>
+        </pc:spChg>
+      </pc:sldChg>
+      <pc:sldChg chg="modSp modAnim">
+        <pc:chgData name="Eveline Tiekink" userId="6058ae45eb5242b7" providerId="LiveId" clId="{F6960E88-17D2-4084-B06B-7811CAB8636B}" dt="2018-12-07T12:04:56.425" v="111" actId="20577"/>
+        <pc:sldMkLst>
+          <pc:docMk/>
+          <pc:sldMk cId="512347333" sldId="272"/>
+        </pc:sldMkLst>
+        <pc:spChg chg="mod">
+          <ac:chgData name="Eveline Tiekink" userId="6058ae45eb5242b7" providerId="LiveId" clId="{F6960E88-17D2-4084-B06B-7811CAB8636B}" dt="2018-12-07T12:04:46.111" v="110" actId="20577"/>
+          <ac:spMkLst>
+            <pc:docMk/>
+            <pc:sldMk cId="512347333" sldId="272"/>
+            <ac:spMk id="2" creationId="{E7E760FB-FAAD-470C-868E-18C90A334CEE}"/>
+          </ac:spMkLst>
+        </pc:spChg>
+        <pc:spChg chg="mod">
+          <ac:chgData name="Eveline Tiekink" userId="6058ae45eb5242b7" providerId="LiveId" clId="{F6960E88-17D2-4084-B06B-7811CAB8636B}" dt="2018-12-07T12:04:56.425" v="111" actId="20577"/>
+          <ac:spMkLst>
+            <pc:docMk/>
+            <pc:sldMk cId="512347333" sldId="272"/>
+            <ac:spMk id="3" creationId="{78DB1EAC-5548-47F6-8CF8-7C2EA9106A7B}"/>
+          </ac:spMkLst>
+        </pc:spChg>
+      </pc:sldChg>
+      <pc:sldChg chg="modSp add">
+        <pc:chgData name="Eveline Tiekink" userId="6058ae45eb5242b7" providerId="LiveId" clId="{F6960E88-17D2-4084-B06B-7811CAB8636B}" dt="2018-12-07T12:05:35.088" v="163" actId="20577"/>
+        <pc:sldMkLst>
+          <pc:docMk/>
+          <pc:sldMk cId="3025356174" sldId="276"/>
+        </pc:sldMkLst>
+        <pc:spChg chg="mod">
+          <ac:chgData name="Eveline Tiekink" userId="6058ae45eb5242b7" providerId="LiveId" clId="{F6960E88-17D2-4084-B06B-7811CAB8636B}" dt="2018-12-07T12:05:22.424" v="134" actId="313"/>
+          <ac:spMkLst>
+            <pc:docMk/>
+            <pc:sldMk cId="3025356174" sldId="276"/>
+            <ac:spMk id="2" creationId="{F4D9CFEB-2CAC-4606-A4B3-43672A0C4011}"/>
+          </ac:spMkLst>
+        </pc:spChg>
+        <pc:spChg chg="mod">
+          <ac:chgData name="Eveline Tiekink" userId="6058ae45eb5242b7" providerId="LiveId" clId="{F6960E88-17D2-4084-B06B-7811CAB8636B}" dt="2018-12-07T12:05:35.088" v="163" actId="20577"/>
+          <ac:spMkLst>
+            <pc:docMk/>
+            <pc:sldMk cId="3025356174" sldId="276"/>
+            <ac:spMk id="3" creationId="{AA43E2E3-52D2-46B2-B560-04F1B2DD52C0}"/>
+          </ac:spMkLst>
+        </pc:spChg>
+      </pc:sldChg>
+    </pc:docChg>
+  </pc:docChgLst>
+</pc:chgInfo>
 </file>
 
 <file path=ppt/notesMasters/notesMaster1.xml><?xml version="1.0" encoding="utf-8"?>
@@ -215,7 +321,7 @@
           <a:p>
             <a:fld id="{6E4CFFD8-571C-48B2-909E-9B5FE253D121}" type="datetimeFigureOut">
               <a:rPr lang="nl-NL" smtClean="0"/>
-              <a:t>23-11-2018</a:t>
+              <a:t>7-12-2018</a:t>
             </a:fld>
             <a:endParaRPr lang="nl-NL"/>
           </a:p>
@@ -550,7 +656,7 @@
           <a:p>
             <a:fld id="{6DA5F5ED-64BB-4C5C-A82B-3BA43ACDDE50}" type="slidenum">
               <a:rPr lang="nl-NL" smtClean="0"/>
-              <a:t>11</a:t>
+              <a:t>12</a:t>
             </a:fld>
             <a:endParaRPr lang="nl-NL"/>
           </a:p>
@@ -1296,7 +1402,7 @@
             <a:fld id="{B61BEF0D-F0BB-DE4B-95CE-6DB70DBA9567}" type="datetimeFigureOut">
               <a:rPr lang="en-US" smtClean="0"/>
               <a:pPr/>
-              <a:t>11/23/2018</a:t>
+              <a:t>12/7/2018</a:t>
             </a:fld>
             <a:endParaRPr lang="en-US" dirty="0"/>
           </a:p>
@@ -1549,7 +1655,7 @@
             <a:fld id="{B61BEF0D-F0BB-DE4B-95CE-6DB70DBA9567}" type="datetimeFigureOut">
               <a:rPr lang="en-US" smtClean="0"/>
               <a:pPr/>
-              <a:t>11/23/2018</a:t>
+              <a:t>12/7/2018</a:t>
             </a:fld>
             <a:endParaRPr lang="en-US" dirty="0"/>
           </a:p>
@@ -1865,7 +1971,7 @@
             <a:fld id="{B61BEF0D-F0BB-DE4B-95CE-6DB70DBA9567}" type="datetimeFigureOut">
               <a:rPr lang="en-US" smtClean="0"/>
               <a:pPr/>
-              <a:t>11/23/2018</a:t>
+              <a:t>12/7/2018</a:t>
             </a:fld>
             <a:endParaRPr lang="en-US" dirty="0"/>
           </a:p>
@@ -2194,7 +2300,7 @@
             <a:fld id="{B61BEF0D-F0BB-DE4B-95CE-6DB70DBA9567}" type="datetimeFigureOut">
               <a:rPr lang="en-US" smtClean="0"/>
               <a:pPr/>
-              <a:t>11/23/2018</a:t>
+              <a:t>12/7/2018</a:t>
             </a:fld>
             <a:endParaRPr lang="en-US" dirty="0"/>
           </a:p>
@@ -2510,7 +2616,7 @@
             <a:fld id="{B61BEF0D-F0BB-DE4B-95CE-6DB70DBA9567}" type="datetimeFigureOut">
               <a:rPr lang="en-US" smtClean="0"/>
               <a:pPr/>
-              <a:t>11/23/2018</a:t>
+              <a:t>12/7/2018</a:t>
             </a:fld>
             <a:endParaRPr lang="en-US" dirty="0"/>
           </a:p>
@@ -2899,7 +3005,7 @@
             <a:fld id="{B61BEF0D-F0BB-DE4B-95CE-6DB70DBA9567}" type="datetimeFigureOut">
               <a:rPr lang="en-US" smtClean="0"/>
               <a:pPr/>
-              <a:t>11/23/2018</a:t>
+              <a:t>12/7/2018</a:t>
             </a:fld>
             <a:endParaRPr lang="en-US" dirty="0"/>
           </a:p>
@@ -3070,7 +3176,7 @@
           <a:p>
             <a:fld id="{55C6B4A9-1611-4792-9094-5F34BCA07E0B}" type="datetimeFigureOut">
               <a:rPr lang="en-US" smtClean="0"/>
-              <a:t>11/23/2018</a:t>
+              <a:t>12/7/2018</a:t>
             </a:fld>
             <a:endParaRPr lang="en-US" dirty="0"/>
           </a:p>
@@ -3251,7 +3357,7 @@
             <a:fld id="{B61BEF0D-F0BB-DE4B-95CE-6DB70DBA9567}" type="datetimeFigureOut">
               <a:rPr lang="en-US" smtClean="0"/>
               <a:pPr/>
-              <a:t>11/23/2018</a:t>
+              <a:t>12/7/2018</a:t>
             </a:fld>
             <a:endParaRPr lang="en-US" dirty="0"/>
           </a:p>
@@ -3422,7 +3528,7 @@
           <a:p>
             <a:fld id="{42A54C80-263E-416B-A8E0-580EDEADCBDC}" type="datetimeFigureOut">
               <a:rPr lang="en-US" smtClean="0"/>
-              <a:t>11/23/2018</a:t>
+              <a:t>12/7/2018</a:t>
             </a:fld>
             <a:endParaRPr lang="en-US" dirty="0"/>
           </a:p>
@@ -3670,7 +3776,7 @@
             <a:fld id="{B61BEF0D-F0BB-DE4B-95CE-6DB70DBA9567}" type="datetimeFigureOut">
               <a:rPr lang="en-US" smtClean="0"/>
               <a:pPr/>
-              <a:t>11/23/2018</a:t>
+              <a:t>12/7/2018</a:t>
             </a:fld>
             <a:endParaRPr lang="en-US" dirty="0"/>
           </a:p>
@@ -3903,7 +4009,7 @@
           <a:p>
             <a:fld id="{42A54C80-263E-416B-A8E0-580EDEADCBDC}" type="datetimeFigureOut">
               <a:rPr lang="en-US" smtClean="0"/>
-              <a:t>11/23/2018</a:t>
+              <a:t>12/7/2018</a:t>
             </a:fld>
             <a:endParaRPr lang="en-US" dirty="0"/>
           </a:p>
@@ -4278,7 +4384,7 @@
             <a:fld id="{B61BEF0D-F0BB-DE4B-95CE-6DB70DBA9567}" type="datetimeFigureOut">
               <a:rPr lang="en-US" smtClean="0"/>
               <a:pPr/>
-              <a:t>11/23/2018</a:t>
+              <a:t>12/7/2018</a:t>
             </a:fld>
             <a:endParaRPr lang="en-US" dirty="0"/>
           </a:p>
@@ -4403,7 +4509,7 @@
             <a:fld id="{B61BEF0D-F0BB-DE4B-95CE-6DB70DBA9567}" type="datetimeFigureOut">
               <a:rPr lang="en-US" smtClean="0"/>
               <a:pPr/>
-              <a:t>11/23/2018</a:t>
+              <a:t>12/7/2018</a:t>
             </a:fld>
             <a:endParaRPr lang="en-US" dirty="0"/>
           </a:p>
@@ -4500,7 +4606,7 @@
             <a:fld id="{B61BEF0D-F0BB-DE4B-95CE-6DB70DBA9567}" type="datetimeFigureOut">
               <a:rPr lang="en-US" smtClean="0"/>
               <a:pPr/>
-              <a:t>11/23/2018</a:t>
+              <a:t>12/7/2018</a:t>
             </a:fld>
             <a:endParaRPr lang="en-US" dirty="0"/>
           </a:p>
@@ -4756,7 +4862,7 @@
           <a:p>
             <a:fld id="{42A54C80-263E-416B-A8E0-580EDEADCBDC}" type="datetimeFigureOut">
               <a:rPr lang="en-US" smtClean="0"/>
-              <a:t>11/23/2018</a:t>
+              <a:t>12/7/2018</a:t>
             </a:fld>
             <a:endParaRPr lang="en-US" dirty="0"/>
           </a:p>
@@ -5020,7 +5126,7 @@
             <a:fld id="{B61BEF0D-F0BB-DE4B-95CE-6DB70DBA9567}" type="datetimeFigureOut">
               <a:rPr lang="en-US" smtClean="0"/>
               <a:pPr/>
-              <a:t>11/23/2018</a:t>
+              <a:t>12/7/2018</a:t>
             </a:fld>
             <a:endParaRPr lang="en-US" dirty="0"/>
           </a:p>
@@ -5767,7 +5873,7 @@
             <a:fld id="{B61BEF0D-F0BB-DE4B-95CE-6DB70DBA9567}" type="datetimeFigureOut">
               <a:rPr lang="en-US" smtClean="0"/>
               <a:pPr/>
-              <a:t>11/23/2018</a:t>
+              <a:t>12/7/2018</a:t>
             </a:fld>
             <a:endParaRPr lang="en-US" dirty="0"/>
           </a:p>
@@ -6399,7 +6505,7 @@
                   </a:schemeClr>
                 </a:solidFill>
               </a:rPr>
-              <a:t> 23-11-2018</a:t>
+              <a:t> 07-12-2018</a:t>
             </a:r>
           </a:p>
           <a:p>
@@ -6453,6 +6559,114 @@
           <p:cNvPr id="2" name="Titel 1">
             <a:extLst>
               <a:ext uri="{FF2B5EF4-FFF2-40B4-BE49-F238E27FC236}">
+                <a16:creationId xmlns:a16="http://schemas.microsoft.com/office/drawing/2014/main" id="{EE923E43-3BDA-403D-9D51-EAB2F8DE15EB}"/>
+              </a:ext>
+            </a:extLst>
+          </p:cNvPr>
+          <p:cNvSpPr>
+            <a:spLocks noGrp="1"/>
+          </p:cNvSpPr>
+          <p:nvPr>
+            <p:ph type="title"/>
+          </p:nvPr>
+        </p:nvSpPr>
+        <p:spPr/>
+        <p:txBody>
+          <a:bodyPr/>
+          <a:lstStyle/>
+          <a:p>
+            <a:r>
+              <a:rPr lang="nl-NL" dirty="0"/>
+              <a:t>Doelen voor week 5</a:t>
+            </a:r>
+          </a:p>
+        </p:txBody>
+      </p:sp>
+      <p:sp>
+        <p:nvSpPr>
+          <p:cNvPr id="3" name="Tijdelijke aanduiding voor inhoud 2">
+            <a:extLst>
+              <a:ext uri="{FF2B5EF4-FFF2-40B4-BE49-F238E27FC236}">
+                <a16:creationId xmlns:a16="http://schemas.microsoft.com/office/drawing/2014/main" id="{082F8E5A-26F2-49DD-9A4C-3FD8820D0EDD}"/>
+              </a:ext>
+            </a:extLst>
+          </p:cNvPr>
+          <p:cNvSpPr>
+            <a:spLocks noGrp="1"/>
+          </p:cNvSpPr>
+          <p:nvPr>
+            <p:ph idx="1"/>
+          </p:nvPr>
+        </p:nvSpPr>
+        <p:spPr/>
+        <p:txBody>
+          <a:bodyPr/>
+          <a:lstStyle/>
+          <a:p>
+            <a:r>
+              <a:rPr lang="nl-NL" dirty="0"/>
+              <a:t>Waterfunctie </a:t>
+            </a:r>
+          </a:p>
+          <a:p>
+            <a:r>
+              <a:rPr lang="nl-NL" dirty="0" err="1"/>
+              <a:t>Greedy</a:t>
+            </a:r>
+            <a:r>
+              <a:rPr lang="nl-NL" dirty="0"/>
+              <a:t> Algoritme implementeren</a:t>
+            </a:r>
+          </a:p>
+          <a:p>
+            <a:r>
+              <a:rPr lang="nl-NL" dirty="0"/>
+              <a:t>Fundering code verbeteren</a:t>
+            </a:r>
+          </a:p>
+          <a:p>
+            <a:r>
+              <a:rPr lang="nl-NL" dirty="0"/>
+              <a:t>Check functie verbeteren</a:t>
+            </a:r>
+          </a:p>
+        </p:txBody>
+      </p:sp>
+    </p:spTree>
+    <p:extLst>
+      <p:ext uri="{BB962C8B-B14F-4D97-AF65-F5344CB8AC3E}">
+        <p14:creationId xmlns:p14="http://schemas.microsoft.com/office/powerpoint/2010/main" val="2087692485"/>
+      </p:ext>
+    </p:extLst>
+  </p:cSld>
+  <p:clrMapOvr>
+    <a:masterClrMapping/>
+  </p:clrMapOvr>
+</p:sld>
+</file>
+
+<file path=ppt/slides/slide11.xml><?xml version="1.0" encoding="utf-8"?>
+<p:sld xmlns:a="http://schemas.openxmlformats.org/drawingml/2006/main" xmlns:r="http://schemas.openxmlformats.org/officeDocument/2006/relationships" xmlns:p="http://schemas.openxmlformats.org/presentationml/2006/main">
+  <p:cSld>
+    <p:spTree>
+      <p:nvGrpSpPr>
+        <p:cNvPr id="1" name=""/>
+        <p:cNvGrpSpPr/>
+        <p:nvPr/>
+      </p:nvGrpSpPr>
+      <p:grpSpPr>
+        <a:xfrm>
+          <a:off x="0" y="0"/>
+          <a:ext cx="0" cy="0"/>
+          <a:chOff x="0" y="0"/>
+          <a:chExt cx="0" cy="0"/>
+        </a:xfrm>
+      </p:grpSpPr>
+      <p:sp>
+        <p:nvSpPr>
+          <p:cNvPr id="2" name="Titel 1">
+            <a:extLst>
+              <a:ext uri="{FF2B5EF4-FFF2-40B4-BE49-F238E27FC236}">
                 <a16:creationId xmlns:a16="http://schemas.microsoft.com/office/drawing/2014/main" id="{3C13B0F9-1C71-4CE4-AABF-5618AC558334}"/>
               </a:ext>
             </a:extLst>
@@ -6538,7 +6752,7 @@
 </p:sld>
 </file>
 
-<file path=ppt/slides/slide11.xml><?xml version="1.0" encoding="utf-8"?>
+<file path=ppt/slides/slide12.xml><?xml version="1.0" encoding="utf-8"?>
 <p:sld xmlns:a="http://schemas.openxmlformats.org/drawingml/2006/main" xmlns:r="http://schemas.openxmlformats.org/officeDocument/2006/relationships" xmlns:p="http://schemas.openxmlformats.org/presentationml/2006/main">
   <p:cSld>
     <p:spTree>
@@ -6916,19 +7130,41 @@
           <a:p>
             <a:r>
               <a:rPr lang="nl-NL" dirty="0"/>
-              <a:t>Doelen van week 4</a:t>
+              <a:t>Doelen van week 6</a:t>
             </a:r>
           </a:p>
           <a:p>
             <a:r>
               <a:rPr lang="nl-NL" dirty="0"/>
-              <a:t>Doelen voor week 5</a:t>
+              <a:t>Doelen voor week 7</a:t>
             </a:r>
           </a:p>
           <a:p>
             <a:r>
               <a:rPr lang="nl-NL" dirty="0"/>
-              <a:t>Random “Algoritme”</a:t>
+              <a:t>Algoritmes</a:t>
+            </a:r>
+          </a:p>
+          <a:p>
+            <a:pPr lvl="1"/>
+            <a:r>
+              <a:rPr lang="nl-NL" dirty="0"/>
+              <a:t>Random</a:t>
+            </a:r>
+          </a:p>
+          <a:p>
+            <a:pPr lvl="1"/>
+            <a:r>
+              <a:rPr lang="nl-NL" dirty="0" err="1"/>
+              <a:t>Greedy</a:t>
+            </a:r>
+            <a:endParaRPr lang="nl-NL" dirty="0"/>
+          </a:p>
+          <a:p>
+            <a:pPr lvl="1"/>
+            <a:r>
+              <a:rPr lang="nl-NL" dirty="0"/>
+              <a:t>Dept first</a:t>
             </a:r>
           </a:p>
           <a:p>
@@ -8009,7 +8245,7 @@
           <a:p>
             <a:r>
               <a:rPr lang="nl-NL" dirty="0"/>
-              <a:t>20-huizenvariant</a:t>
+              <a:t>20, 40 en 60-huizenvariant</a:t>
             </a:r>
           </a:p>
           <a:p>
@@ -8856,7 +9092,7 @@
           <a:p>
             <a:r>
               <a:rPr lang="nl-NL" dirty="0"/>
-              <a:t>Doelen van week 4</a:t>
+              <a:t>Doelen van week 6</a:t>
             </a:r>
           </a:p>
         </p:txBody>
@@ -8889,45 +9125,7 @@
           </a:bodyPr>
           <a:lstStyle/>
           <a:p>
-            <a:r>
-              <a:rPr lang="nl-NL" dirty="0"/>
-              <a:t>Code netter gemaakt</a:t>
-            </a:r>
-          </a:p>
-          <a:p>
-            <a:pPr lvl="1"/>
-            <a:r>
-              <a:rPr lang="nl-NL" dirty="0"/>
-              <a:t>DRY code</a:t>
-            </a:r>
-          </a:p>
-          <a:p>
-            <a:r>
-              <a:rPr lang="nl-NL" dirty="0" err="1"/>
-              <a:t>Main</a:t>
-            </a:r>
-            <a:r>
-              <a:rPr lang="nl-NL" dirty="0"/>
-              <a:t> gemaakt</a:t>
-            </a:r>
-          </a:p>
-          <a:p>
-            <a:r>
-              <a:rPr lang="nl-NL" dirty="0"/>
-              <a:t>Meerdere besturingssystemen</a:t>
-            </a:r>
-          </a:p>
-          <a:p>
-            <a:r>
-              <a:rPr lang="nl-NL" dirty="0"/>
-              <a:t>Code samengevoegd</a:t>
-            </a:r>
-          </a:p>
-          <a:p>
-            <a:r>
-              <a:rPr lang="nl-NL" dirty="0"/>
-              <a:t>Problematiek </a:t>
-            </a:r>
+            <a:endParaRPr lang="nl-NL" dirty="0"/>
           </a:p>
         </p:txBody>
       </p:sp>
@@ -9737,138 +9935,103 @@
   <p:clrMapOvr>
     <a:masterClrMapping/>
   </p:clrMapOvr>
-  <p:timing>
-    <p:tnLst>
-      <p:par>
-        <p:cTn id="1" dur="indefinite" restart="never" nodeType="tmRoot">
-          <p:childTnLst>
-            <p:seq concurrent="1" nextAc="seek">
-              <p:cTn id="2" dur="indefinite" nodeType="mainSeq">
-                <p:childTnLst>
-                  <p:par>
-                    <p:cTn id="3" fill="hold">
-                      <p:stCondLst>
-                        <p:cond delay="indefinite"/>
-                      </p:stCondLst>
-                      <p:childTnLst>
-                        <p:par>
-                          <p:cTn id="4" fill="hold">
-                            <p:stCondLst>
-                              <p:cond delay="0"/>
-                            </p:stCondLst>
-                            <p:childTnLst>
-                              <p:par>
-                                <p:cTn id="5" presetID="1" presetClass="entr" presetSubtype="0" fill="hold" nodeType="clickEffect">
-                                  <p:stCondLst>
-                                    <p:cond delay="0"/>
-                                  </p:stCondLst>
-                                  <p:childTnLst>
-                                    <p:set>
-                                      <p:cBhvr>
-                                        <p:cTn id="6" dur="1" fill="hold">
-                                          <p:stCondLst>
-                                            <p:cond delay="0"/>
-                                          </p:stCondLst>
-                                        </p:cTn>
-                                        <p:tgtEl>
-                                          <p:spTgt spid="3">
-                                            <p:txEl>
-                                              <p:pRg st="4" end="4"/>
-                                            </p:txEl>
-                                          </p:spTgt>
-                                        </p:tgtEl>
-                                        <p:attrNameLst>
-                                          <p:attrName>style.visibility</p:attrName>
-                                        </p:attrNameLst>
-                                      </p:cBhvr>
-                                      <p:to>
-                                        <p:strVal val="visible"/>
-                                      </p:to>
-                                    </p:set>
-                                  </p:childTnLst>
-                                </p:cTn>
-                              </p:par>
-                            </p:childTnLst>
-                          </p:cTn>
-                        </p:par>
-                      </p:childTnLst>
-                    </p:cTn>
-                  </p:par>
-                  <p:par>
-                    <p:cTn id="7" fill="hold">
-                      <p:stCondLst>
-                        <p:cond delay="indefinite"/>
-                      </p:stCondLst>
-                      <p:childTnLst>
-                        <p:par>
-                          <p:cTn id="8" fill="hold">
-                            <p:stCondLst>
-                              <p:cond delay="0"/>
-                            </p:stCondLst>
-                            <p:childTnLst>
-                              <p:par>
-                                <p:cTn id="9" presetID="1" presetClass="entr" presetSubtype="0" fill="hold" nodeType="clickEffect">
-                                  <p:stCondLst>
-                                    <p:cond delay="0"/>
-                                  </p:stCondLst>
-                                  <p:childTnLst>
-                                    <p:set>
-                                      <p:cBhvr>
-                                        <p:cTn id="10" dur="1" fill="hold">
-                                          <p:stCondLst>
-                                            <p:cond delay="0"/>
-                                          </p:stCondLst>
-                                        </p:cTn>
-                                        <p:tgtEl>
-                                          <p:spTgt spid="3">
-                                            <p:txEl>
-                                              <p:pRg st="5" end="5"/>
-                                            </p:txEl>
-                                          </p:spTgt>
-                                        </p:tgtEl>
-                                        <p:attrNameLst>
-                                          <p:attrName>style.visibility</p:attrName>
-                                        </p:attrNameLst>
-                                      </p:cBhvr>
-                                      <p:to>
-                                        <p:strVal val="visible"/>
-                                      </p:to>
-                                    </p:set>
-                                  </p:childTnLst>
-                                </p:cTn>
-                              </p:par>
-                            </p:childTnLst>
-                          </p:cTn>
-                        </p:par>
-                      </p:childTnLst>
-                    </p:cTn>
-                  </p:par>
-                </p:childTnLst>
-              </p:cTn>
-              <p:prevCondLst>
-                <p:cond evt="onPrev" delay="0">
-                  <p:tgtEl>
-                    <p:sldTgt/>
-                  </p:tgtEl>
-                </p:cond>
-              </p:prevCondLst>
-              <p:nextCondLst>
-                <p:cond evt="onNext" delay="0">
-                  <p:tgtEl>
-                    <p:sldTgt/>
-                  </p:tgtEl>
-                </p:cond>
-              </p:nextCondLst>
-            </p:seq>
-          </p:childTnLst>
-        </p:cTn>
-      </p:par>
-    </p:tnLst>
-  </p:timing>
 </p:sld>
 </file>
 
 <file path=ppt/slides/slide7.xml><?xml version="1.0" encoding="utf-8"?>
+<p:sld xmlns:a="http://schemas.openxmlformats.org/drawingml/2006/main" xmlns:r="http://schemas.openxmlformats.org/officeDocument/2006/relationships" xmlns:p="http://schemas.openxmlformats.org/presentationml/2006/main">
+  <p:cSld>
+    <p:spTree>
+      <p:nvGrpSpPr>
+        <p:cNvPr id="1" name=""/>
+        <p:cNvGrpSpPr/>
+        <p:nvPr/>
+      </p:nvGrpSpPr>
+      <p:grpSpPr>
+        <a:xfrm>
+          <a:off x="0" y="0"/>
+          <a:ext cx="0" cy="0"/>
+          <a:chOff x="0" y="0"/>
+          <a:chExt cx="0" cy="0"/>
+        </a:xfrm>
+      </p:grpSpPr>
+      <p:sp>
+        <p:nvSpPr>
+          <p:cNvPr id="2" name="Titel 1">
+            <a:extLst>
+              <a:ext uri="{FF2B5EF4-FFF2-40B4-BE49-F238E27FC236}">
+                <a16:creationId xmlns:a16="http://schemas.microsoft.com/office/drawing/2014/main" id="{F4D9CFEB-2CAC-4606-A4B3-43672A0C4011}"/>
+              </a:ext>
+            </a:extLst>
+          </p:cNvPr>
+          <p:cNvSpPr>
+            <a:spLocks noGrp="1"/>
+          </p:cNvSpPr>
+          <p:nvPr>
+            <p:ph type="title"/>
+          </p:nvPr>
+        </p:nvSpPr>
+        <p:spPr/>
+        <p:txBody>
+          <a:bodyPr/>
+          <a:lstStyle/>
+          <a:p>
+            <a:r>
+              <a:rPr lang="nl-NL" dirty="0"/>
+              <a:t>Random “Algoritme”</a:t>
+            </a:r>
+          </a:p>
+        </p:txBody>
+      </p:sp>
+      <p:sp>
+        <p:nvSpPr>
+          <p:cNvPr id="3" name="Tijdelijke aanduiding voor inhoud 2">
+            <a:extLst>
+              <a:ext uri="{FF2B5EF4-FFF2-40B4-BE49-F238E27FC236}">
+                <a16:creationId xmlns:a16="http://schemas.microsoft.com/office/drawing/2014/main" id="{AA43E2E3-52D2-46B2-B560-04F1B2DD52C0}"/>
+              </a:ext>
+            </a:extLst>
+          </p:cNvPr>
+          <p:cNvSpPr>
+            <a:spLocks noGrp="1"/>
+          </p:cNvSpPr>
+          <p:nvPr>
+            <p:ph idx="1"/>
+          </p:nvPr>
+        </p:nvSpPr>
+        <p:spPr/>
+        <p:txBody>
+          <a:bodyPr/>
+          <a:lstStyle/>
+          <a:p>
+            <a:r>
+              <a:rPr lang="nl-NL" dirty="0"/>
+              <a:t>“Normaalverdeling</a:t>
+            </a:r>
+            <a:r>
+              <a:rPr lang="nl-NL"/>
+              <a:t>” plaatje</a:t>
+            </a:r>
+          </a:p>
+          <a:p>
+            <a:endParaRPr lang="nl-NL" dirty="0"/>
+          </a:p>
+        </p:txBody>
+      </p:sp>
+    </p:spTree>
+    <p:extLst>
+      <p:ext uri="{BB962C8B-B14F-4D97-AF65-F5344CB8AC3E}">
+        <p14:creationId xmlns:p14="http://schemas.microsoft.com/office/powerpoint/2010/main" val="3025356174"/>
+      </p:ext>
+    </p:extLst>
+  </p:cSld>
+  <p:clrMapOvr>
+    <a:masterClrMapping/>
+  </p:clrMapOvr>
+</p:sld>
+</file>
+
+<file path=ppt/slides/slide8.xml><?xml version="1.0" encoding="utf-8"?>
 <p:sld xmlns:a="http://schemas.openxmlformats.org/drawingml/2006/main" xmlns:r="http://schemas.openxmlformats.org/officeDocument/2006/relationships" xmlns:p="http://schemas.openxmlformats.org/presentationml/2006/main">
   <p:cSld>
     <p:spTree>
@@ -9962,7 +10125,7 @@
 </p:sld>
 </file>
 
-<file path=ppt/slides/slide8.xml><?xml version="1.0" encoding="utf-8"?>
+<file path=ppt/slides/slide9.xml><?xml version="1.0" encoding="utf-8"?>
 <p:sld xmlns:a="http://schemas.openxmlformats.org/drawingml/2006/main" xmlns:r="http://schemas.openxmlformats.org/officeDocument/2006/relationships" xmlns:p="http://schemas.openxmlformats.org/presentationml/2006/main" show="0">
   <p:cSld>
     <p:spTree>
@@ -10356,114 +10519,6 @@
     <p:extLst>
       <p:ext uri="{BB962C8B-B14F-4D97-AF65-F5344CB8AC3E}">
         <p14:creationId xmlns:p14="http://schemas.microsoft.com/office/powerpoint/2010/main" val="2419183952"/>
-      </p:ext>
-    </p:extLst>
-  </p:cSld>
-  <p:clrMapOvr>
-    <a:masterClrMapping/>
-  </p:clrMapOvr>
-</p:sld>
-</file>
-
-<file path=ppt/slides/slide9.xml><?xml version="1.0" encoding="utf-8"?>
-<p:sld xmlns:a="http://schemas.openxmlformats.org/drawingml/2006/main" xmlns:r="http://schemas.openxmlformats.org/officeDocument/2006/relationships" xmlns:p="http://schemas.openxmlformats.org/presentationml/2006/main">
-  <p:cSld>
-    <p:spTree>
-      <p:nvGrpSpPr>
-        <p:cNvPr id="1" name=""/>
-        <p:cNvGrpSpPr/>
-        <p:nvPr/>
-      </p:nvGrpSpPr>
-      <p:grpSpPr>
-        <a:xfrm>
-          <a:off x="0" y="0"/>
-          <a:ext cx="0" cy="0"/>
-          <a:chOff x="0" y="0"/>
-          <a:chExt cx="0" cy="0"/>
-        </a:xfrm>
-      </p:grpSpPr>
-      <p:sp>
-        <p:nvSpPr>
-          <p:cNvPr id="2" name="Titel 1">
-            <a:extLst>
-              <a:ext uri="{FF2B5EF4-FFF2-40B4-BE49-F238E27FC236}">
-                <a16:creationId xmlns:a16="http://schemas.microsoft.com/office/drawing/2014/main" id="{EE923E43-3BDA-403D-9D51-EAB2F8DE15EB}"/>
-              </a:ext>
-            </a:extLst>
-          </p:cNvPr>
-          <p:cNvSpPr>
-            <a:spLocks noGrp="1"/>
-          </p:cNvSpPr>
-          <p:nvPr>
-            <p:ph type="title"/>
-          </p:nvPr>
-        </p:nvSpPr>
-        <p:spPr/>
-        <p:txBody>
-          <a:bodyPr/>
-          <a:lstStyle/>
-          <a:p>
-            <a:r>
-              <a:rPr lang="nl-NL" dirty="0"/>
-              <a:t>Doelen voor week 5</a:t>
-            </a:r>
-          </a:p>
-        </p:txBody>
-      </p:sp>
-      <p:sp>
-        <p:nvSpPr>
-          <p:cNvPr id="3" name="Tijdelijke aanduiding voor inhoud 2">
-            <a:extLst>
-              <a:ext uri="{FF2B5EF4-FFF2-40B4-BE49-F238E27FC236}">
-                <a16:creationId xmlns:a16="http://schemas.microsoft.com/office/drawing/2014/main" id="{082F8E5A-26F2-49DD-9A4C-3FD8820D0EDD}"/>
-              </a:ext>
-            </a:extLst>
-          </p:cNvPr>
-          <p:cNvSpPr>
-            <a:spLocks noGrp="1"/>
-          </p:cNvSpPr>
-          <p:nvPr>
-            <p:ph idx="1"/>
-          </p:nvPr>
-        </p:nvSpPr>
-        <p:spPr/>
-        <p:txBody>
-          <a:bodyPr/>
-          <a:lstStyle/>
-          <a:p>
-            <a:r>
-              <a:rPr lang="nl-NL" dirty="0"/>
-              <a:t>Waterfunctie </a:t>
-            </a:r>
-          </a:p>
-          <a:p>
-            <a:r>
-              <a:rPr lang="nl-NL" dirty="0" err="1"/>
-              <a:t>Greedy</a:t>
-            </a:r>
-            <a:r>
-              <a:rPr lang="nl-NL" dirty="0"/>
-              <a:t> Algoritme implementeren</a:t>
-            </a:r>
-          </a:p>
-          <a:p>
-            <a:r>
-              <a:rPr lang="nl-NL" dirty="0"/>
-              <a:t>Fundering code verbeteren</a:t>
-            </a:r>
-          </a:p>
-          <a:p>
-            <a:r>
-              <a:rPr lang="nl-NL" dirty="0"/>
-              <a:t>Check functie verbeteren</a:t>
-            </a:r>
-          </a:p>
-        </p:txBody>
-      </p:sp>
-    </p:spTree>
-    <p:extLst>
-      <p:ext uri="{BB962C8B-B14F-4D97-AF65-F5344CB8AC3E}">
-        <p14:creationId xmlns:p14="http://schemas.microsoft.com/office/powerpoint/2010/main" val="2087692485"/>
       </p:ext>
     </p:extLst>
   </p:cSld>
